--- a/content/resources/clase-7/Clase_7_parte3.pptx
+++ b/content/resources/clase-7/Clase_7_parte3.pptx
@@ -24255,7 +24255,7 @@
         <p:spPr>
           <a:xfrm>
             <a:off x="749606" y="1866731"/>
-            <a:ext cx="4733400" cy="2346900"/>
+            <a:ext cx="4733400" cy="2046000"/>
           </a:xfrm>
           <a:prstGeom prst="rect">
             <a:avLst/>
@@ -24346,7 +24346,19 @@
                 <a:cs typeface="Trebuchet MS"/>
                 <a:sym typeface="Trebuchet MS"/>
               </a:rPr>
-              <a:t>, pero se diferencia en que la condición de ejecución del ciclo se evalúa al final de cada iteración en lugar de al comienzo.</a:t>
+              <a:t>, pero se diferencia en que la condición de ejecución del ciclo se evalúa al final de cada iteración </a:t>
+            </a:r>
+            <a:r>
+              <a:rPr lang="es" sz="1700">
+                <a:solidFill>
+                  <a:schemeClr val="dk1"/>
+                </a:solidFill>
+                <a:latin typeface="Trebuchet MS"/>
+                <a:ea typeface="Trebuchet MS"/>
+                <a:cs typeface="Trebuchet MS"/>
+                <a:sym typeface="Trebuchet MS"/>
+              </a:rPr>
+              <a:t> y no al inicio.</a:t>
             </a:r>
             <a:endParaRPr b="0" i="0" sz="1700" u="none" cap="none" strike="noStrike">
               <a:solidFill>
